--- a/Whiteboard design session/WDS trainer presentation - Continuous delivery in VSTS and Azure.pptx
+++ b/Whiteboard design session/WDS trainer presentation - Continuous delivery in VSTS and Azure.pptx
@@ -19,10 +19,10 @@
     <p:sldId id="338" r:id="rId10"/>
     <p:sldId id="339" r:id="rId11"/>
     <p:sldId id="325" r:id="rId12"/>
-    <p:sldId id="326" r:id="rId13"/>
-    <p:sldId id="340" r:id="rId14"/>
-    <p:sldId id="352" r:id="rId15"/>
-    <p:sldId id="320" r:id="rId16"/>
+    <p:sldId id="359" r:id="rId13"/>
+    <p:sldId id="326" r:id="rId14"/>
+    <p:sldId id="340" r:id="rId15"/>
+    <p:sldId id="352" r:id="rId16"/>
     <p:sldId id="349" r:id="rId17"/>
     <p:sldId id="350" r:id="rId18"/>
     <p:sldId id="321" r:id="rId19"/>
@@ -232,7 +232,7 @@
           <a:p>
             <a:fld id="{52A13B17-C506-4D51-BB37-16B365906619}" type="datetimeFigureOut">
               <a:rPr lang="en-US" smtClean="0"/>
-              <a:t>6/20/2018</a:t>
+              <a:t>6/26/2018</a:t>
             </a:fld>
             <a:endParaRPr lang="en-US"/>
           </a:p>
@@ -832,7 +832,7 @@
     </p:spTree>
     <p:extLst>
       <p:ext uri="{BB962C8B-B14F-4D97-AF65-F5344CB8AC3E}">
-        <p14:creationId xmlns:p14="http://schemas.microsoft.com/office/powerpoint/2010/main" val="1213144176"/>
+        <p14:creationId xmlns:p14="http://schemas.microsoft.com/office/powerpoint/2010/main" val="3726134372"/>
       </p:ext>
     </p:extLst>
   </p:cSld>
@@ -916,7 +916,7 @@
     </p:spTree>
     <p:extLst>
       <p:ext uri="{BB962C8B-B14F-4D97-AF65-F5344CB8AC3E}">
-        <p14:creationId xmlns:p14="http://schemas.microsoft.com/office/powerpoint/2010/main" val="1378522203"/>
+        <p14:creationId xmlns:p14="http://schemas.microsoft.com/office/powerpoint/2010/main" val="1213144176"/>
       </p:ext>
     </p:extLst>
   </p:cSld>
@@ -991,7 +991,7 @@
           <a:p>
             <a:fld id="{0998D5BB-B127-481F-BC0A-2F77C576BB34}" type="slidenum">
               <a:rPr lang="en-US" smtClean="0"/>
-              <a:t>14</a:t>
+              <a:t>13</a:t>
             </a:fld>
             <a:endParaRPr lang="en-US"/>
           </a:p>
@@ -1000,7 +1000,7 @@
     </p:spTree>
     <p:extLst>
       <p:ext uri="{BB962C8B-B14F-4D97-AF65-F5344CB8AC3E}">
-        <p14:creationId xmlns:p14="http://schemas.microsoft.com/office/powerpoint/2010/main" val="3229744285"/>
+        <p14:creationId xmlns:p14="http://schemas.microsoft.com/office/powerpoint/2010/main" val="1378522203"/>
       </p:ext>
     </p:extLst>
   </p:cSld>
@@ -2444,6 +2444,18 @@
           <a:lstStyle/>
           <a:p>
             <a:r>
+              <a:rPr lang="en-US" sz="1200" b="0" i="0" kern="1200" dirty="0" smtClean="0">
+                <a:solidFill>
+                  <a:schemeClr val="tx1"/>
+                </a:solidFill>
+                <a:effectLst/>
+                <a:latin typeface="+mn-lt"/>
+                <a:ea typeface="+mn-ea"/>
+                <a:cs typeface="+mn-cs"/>
+              </a:rPr>
+              <a:t>The </a:t>
+            </a:r>
+            <a:r>
               <a:rPr lang="en-US" sz="1200" b="0" i="0" kern="1200" dirty="0">
                 <a:solidFill>
                   <a:schemeClr val="tx1"/>
@@ -2453,7 +2465,7 @@
                 <a:ea typeface="+mn-ea"/>
                 <a:cs typeface="+mn-cs"/>
               </a:rPr>
-              <a:t>he website logs can be easily and significantly enhanced by enabling Application Insights in the project. To do this, you need to get the Application Insights Software Developer Kit SDK from NuGet, and configure it for use within the app. Application Insights is configured in the </a:t>
+              <a:t>website logs can be easily and significantly enhanced by enabling Application Insights in the project. To do this, you need to get the Application Insights Software Developer Kit SDK from NuGet, and configure it for use within the app. Application Insights is configured in the </a:t>
             </a:r>
             <a:r>
               <a:rPr lang="en-US" sz="1200" b="0" i="0" kern="1200" dirty="0" err="1">
@@ -3272,7 +3284,7 @@
                   <a:prstClr val="black"/>
                 </a:solidFill>
               </a:rPr>
-              <a:t>6/20/2018 7:30 AM</a:t>
+              <a:t>6/26/2018 10:05 AM</a:t>
             </a:fld>
             <a:endParaRPr lang="en-US" dirty="0">
               <a:solidFill>
@@ -15899,13 +15911,16 @@
           <a:p>
             <a:r>
               <a:rPr lang="en-US" dirty="0"/>
-              <a:t>Continuous delivery with VSTS </a:t>
-            </a:r>
-            <a:r>
-              <a:rPr lang="en-US"/>
-              <a:t>and Azure</a:t>
-            </a:r>
-            <a:endParaRPr lang="en-US" dirty="0"/>
+              <a:t>Continuous delivery </a:t>
+            </a:r>
+            <a:r>
+              <a:rPr lang="en-US" dirty="0" smtClean="0"/>
+              <a:t>in </a:t>
+            </a:r>
+            <a:r>
+              <a:rPr lang="en-US" dirty="0"/>
+              <a:t>VSTS and Azure</a:t>
+            </a:r>
           </a:p>
         </p:txBody>
       </p:sp>
@@ -15999,15 +16014,32 @@
           <a:lstStyle/>
           <a:p>
             <a:r>
-              <a:rPr lang="en-US" sz="4400" dirty="0">
+              <a:rPr lang="en-US" sz="4400" dirty="0" smtClean="0">
                 <a:solidFill>
                   <a:schemeClr val="tx1"/>
                 </a:solidFill>
                 <a:latin typeface="Segoe UI Light" panose="020B0502040204020203" pitchFamily="34" charset="0"/>
                 <a:cs typeface="Segoe UI Light" panose="020B0502040204020203" pitchFamily="34" charset="0"/>
               </a:rPr>
-              <a:t>Tailspin Toys, Inc.</a:t>
-            </a:r>
+              <a:t>Customer </a:t>
+            </a:r>
+            <a:r>
+              <a:rPr lang="en-US" sz="4400" dirty="0" smtClean="0">
+                <a:solidFill>
+                  <a:schemeClr val="tx1"/>
+                </a:solidFill>
+                <a:latin typeface="Segoe UI Light" panose="020B0502040204020203" pitchFamily="34" charset="0"/>
+                <a:cs typeface="Segoe UI Light" panose="020B0502040204020203" pitchFamily="34" charset="0"/>
+              </a:rPr>
+              <a:t>situation</a:t>
+            </a:r>
+            <a:endParaRPr lang="en-US" sz="4400" dirty="0">
+              <a:solidFill>
+                <a:schemeClr val="tx1"/>
+              </a:solidFill>
+              <a:latin typeface="Segoe UI Light" panose="020B0502040204020203" pitchFamily="34" charset="0"/>
+              <a:cs typeface="Segoe UI Light" panose="020B0502040204020203" pitchFamily="34" charset="0"/>
+            </a:endParaRPr>
           </a:p>
         </p:txBody>
       </p:sp>
@@ -16025,8 +16057,8 @@
         </p:nvSpPr>
         <p:spPr>
           <a:xfrm>
-            <a:off x="397913" y="938598"/>
-            <a:ext cx="11326762" cy="369332"/>
+            <a:off x="863798" y="1189176"/>
+            <a:ext cx="10464403" cy="646331"/>
           </a:xfrm>
           <a:prstGeom prst="rect">
             <a:avLst/>
@@ -16038,14 +16070,15 @@
           </a:bodyPr>
           <a:lstStyle/>
           <a:p>
-            <a:r>
-              <a:rPr lang="en-US" i="1" dirty="0">
+            <a:pPr algn="ctr"/>
+            <a:r>
+              <a:rPr lang="en-US" sz="3600" dirty="0">
                 <a:latin typeface="Segoe UI Semilight" panose="020B0402040204020203" pitchFamily="34" charset="0"/>
                 <a:cs typeface="Segoe UI Semilight" panose="020B0402040204020203" pitchFamily="34" charset="0"/>
               </a:rPr>
               <a:t>Current Process</a:t>
             </a:r>
-            <a:endParaRPr lang="en-US" i="1" dirty="0"/>
+            <a:endParaRPr lang="en-US" sz="3600" dirty="0"/>
           </a:p>
         </p:txBody>
       </p:sp>
@@ -16135,12 +16168,24 @@
           <a:lstStyle/>
           <a:p>
             <a:r>
-              <a:rPr lang="en-US" sz="4400" dirty="0">
+              <a:rPr lang="en-US" sz="4400" dirty="0" smtClean="0">
                 <a:solidFill>
                   <a:schemeClr val="tx1"/>
                 </a:solidFill>
+                <a:latin typeface="Segoe UI Light" panose="020B0502040204020203" pitchFamily="34" charset="0"/>
+                <a:cs typeface="Segoe UI Light" panose="020B0502040204020203" pitchFamily="34" charset="0"/>
               </a:rPr>
-              <a:t>Customer objections</a:t>
+              <a:t>Customer </a:t>
+            </a:r>
+            <a:r>
+              <a:rPr lang="en-US" sz="4400" dirty="0" smtClean="0">
+                <a:solidFill>
+                  <a:schemeClr val="tx1"/>
+                </a:solidFill>
+                <a:latin typeface="Segoe UI Light" panose="020B0502040204020203" pitchFamily="34" charset="0"/>
+                <a:cs typeface="Segoe UI Light" panose="020B0502040204020203" pitchFamily="34" charset="0"/>
+              </a:rPr>
+              <a:t>needs</a:t>
             </a:r>
             <a:endParaRPr lang="en-US" sz="4400" dirty="0">
               <a:solidFill>
@@ -16152,71 +16197,10 @@
           </a:p>
         </p:txBody>
       </p:sp>
-      <p:sp>
-        <p:nvSpPr>
-          <p:cNvPr id="4" name="TextBox 3">
-            <a:extLst>
-              <a:ext uri="{FF2B5EF4-FFF2-40B4-BE49-F238E27FC236}">
-                <a16:creationId xmlns:a16="http://schemas.microsoft.com/office/drawing/2014/main" id="{115082CA-C3DD-4187-9A9D-C39A9C115D72}"/>
-              </a:ext>
-            </a:extLst>
-          </p:cNvPr>
-          <p:cNvSpPr txBox="1"/>
-          <p:nvPr/>
-        </p:nvSpPr>
-        <p:spPr>
-          <a:xfrm>
-            <a:off x="340285" y="1284044"/>
-            <a:ext cx="11584795" cy="5035225"/>
-          </a:xfrm>
-          <a:prstGeom prst="rect">
-            <a:avLst/>
-          </a:prstGeom>
-          <a:noFill/>
-        </p:spPr>
-        <p:txBody>
-          <a:bodyPr wrap="square" lIns="182880" tIns="146304" rIns="182880" bIns="146304" rtlCol="0">
-            <a:spAutoFit/>
-          </a:bodyPr>
-          <a:lstStyle/>
-          <a:p>
-            <a:r>
-              <a:rPr lang="en-US" sz="2800" dirty="0"/>
-              <a:t>“We do not want to be locked into a specific source control repository. We are evaluating GitHub and Visual Studio Team Services and need to be able to change between them without frustrating rework.”</a:t>
-            </a:r>
-          </a:p>
-          <a:p>
-            <a:pPr marL="514350" indent="-514350">
-              <a:buFont typeface="+mj-lt"/>
-              <a:buAutoNum type="arabicPeriod"/>
-            </a:pPr>
-            <a:endParaRPr lang="en-US" sz="2800" dirty="0"/>
-          </a:p>
-          <a:p>
-            <a:r>
-              <a:rPr lang="en-US" sz="2800" dirty="0"/>
-              <a:t>“We do not want the developers to be able to make changes to the Azure resources even though they will have access to make source code changes.”</a:t>
-            </a:r>
-          </a:p>
-          <a:p>
-            <a:pPr marL="514350" indent="-514350">
-              <a:buFont typeface="+mj-lt"/>
-              <a:buAutoNum type="arabicPeriod"/>
-            </a:pPr>
-            <a:endParaRPr lang="en-US" sz="2800" dirty="0"/>
-          </a:p>
-          <a:p>
-            <a:r>
-              <a:rPr lang="en-US" sz="2800" dirty="0"/>
-              <a:t>“If developers can deploy directly to the cloud, will that expose us to the same quality problems we had before when untested code was promoted to production?”</a:t>
-            </a:r>
-          </a:p>
-        </p:txBody>
-      </p:sp>
     </p:spTree>
     <p:extLst>
       <p:ext uri="{BB962C8B-B14F-4D97-AF65-F5344CB8AC3E}">
-        <p14:creationId xmlns:p14="http://schemas.microsoft.com/office/powerpoint/2010/main" val="3134967471"/>
+        <p14:creationId xmlns:p14="http://schemas.microsoft.com/office/powerpoint/2010/main" val="87251910"/>
       </p:ext>
     </p:extLst>
   </p:cSld>
@@ -16301,7 +16285,7 @@
         <p:spPr>
           <a:xfrm>
             <a:off x="340285" y="1284044"/>
-            <a:ext cx="11584795" cy="3311676"/>
+            <a:ext cx="11584795" cy="5035225"/>
           </a:xfrm>
           <a:prstGeom prst="rect">
             <a:avLst/>
@@ -16316,20 +16300,33 @@
           <a:p>
             <a:r>
               <a:rPr lang="en-US" sz="2800" dirty="0"/>
-              <a:t>“How much of an impact will these process changes have on our development cadence? Will learning this place a new burden on the developers?”</a:t>
+              <a:t>“We do not want to be locked into a specific source control repository. We are evaluating GitHub and Visual Studio Team Services and need to be able to change between them without frustrating rework.”</a:t>
             </a:r>
           </a:p>
           <a:p>
             <a:pPr marL="514350" indent="-514350">
               <a:buFont typeface="+mj-lt"/>
-              <a:buAutoNum type="arabicPeriod" startAt="4"/>
+              <a:buAutoNum type="arabicPeriod"/>
             </a:pPr>
             <a:endParaRPr lang="en-US" sz="2800" dirty="0"/>
           </a:p>
           <a:p>
             <a:r>
               <a:rPr lang="en-US" sz="2800" dirty="0"/>
-              <a:t>“Our developers are already having challenges learning how to use Git – will adding a continuous deployment system on top of that slow them down and confuse them even more?”</a:t>
+              <a:t>“We do not want the developers to be able to make changes to the Azure resources even though they will have access to make source code changes.”</a:t>
+            </a:r>
+          </a:p>
+          <a:p>
+            <a:pPr marL="514350" indent="-514350">
+              <a:buFont typeface="+mj-lt"/>
+              <a:buAutoNum type="arabicPeriod"/>
+            </a:pPr>
+            <a:endParaRPr lang="en-US" sz="2800" dirty="0"/>
+          </a:p>
+          <a:p>
+            <a:r>
+              <a:rPr lang="en-US" sz="2800" dirty="0"/>
+              <a:t>“If developers can deploy directly to the cloud, will that expose us to the same quality problems we had before when untested code was promoted to production?”</a:t>
             </a:r>
           </a:p>
         </p:txBody>
@@ -16337,7 +16334,7 @@
     </p:spTree>
     <p:extLst>
       <p:ext uri="{BB962C8B-B14F-4D97-AF65-F5344CB8AC3E}">
-        <p14:creationId xmlns:p14="http://schemas.microsoft.com/office/powerpoint/2010/main" val="69969904"/>
+        <p14:creationId xmlns:p14="http://schemas.microsoft.com/office/powerpoint/2010/main" val="3134967471"/>
       </p:ext>
     </p:extLst>
   </p:cSld>
@@ -16374,6 +16371,127 @@
       </p:grpSpPr>
       <p:sp>
         <p:nvSpPr>
+          <p:cNvPr id="2" name="Title 1"/>
+          <p:cNvSpPr>
+            <a:spLocks noGrp="1"/>
+          </p:cNvSpPr>
+          <p:nvPr>
+            <p:ph type="title"/>
+          </p:nvPr>
+        </p:nvSpPr>
+        <p:spPr/>
+        <p:txBody>
+          <a:bodyPr>
+            <a:normAutofit/>
+          </a:bodyPr>
+          <a:lstStyle/>
+          <a:p>
+            <a:r>
+              <a:rPr lang="en-US" sz="4400" dirty="0">
+                <a:solidFill>
+                  <a:schemeClr val="tx1"/>
+                </a:solidFill>
+              </a:rPr>
+              <a:t>Customer objections</a:t>
+            </a:r>
+            <a:endParaRPr lang="en-US" sz="4400" dirty="0">
+              <a:solidFill>
+                <a:schemeClr val="tx1"/>
+              </a:solidFill>
+              <a:latin typeface="Segoe UI Light" panose="020B0502040204020203" pitchFamily="34" charset="0"/>
+              <a:cs typeface="Segoe UI Light" panose="020B0502040204020203" pitchFamily="34" charset="0"/>
+            </a:endParaRPr>
+          </a:p>
+        </p:txBody>
+      </p:sp>
+      <p:sp>
+        <p:nvSpPr>
+          <p:cNvPr id="4" name="TextBox 3">
+            <a:extLst>
+              <a:ext uri="{FF2B5EF4-FFF2-40B4-BE49-F238E27FC236}">
+                <a16:creationId xmlns:a16="http://schemas.microsoft.com/office/drawing/2014/main" id="{115082CA-C3DD-4187-9A9D-C39A9C115D72}"/>
+              </a:ext>
+            </a:extLst>
+          </p:cNvPr>
+          <p:cNvSpPr txBox="1"/>
+          <p:nvPr/>
+        </p:nvSpPr>
+        <p:spPr>
+          <a:xfrm>
+            <a:off x="340285" y="1284044"/>
+            <a:ext cx="11584795" cy="3311676"/>
+          </a:xfrm>
+          <a:prstGeom prst="rect">
+            <a:avLst/>
+          </a:prstGeom>
+          <a:noFill/>
+        </p:spPr>
+        <p:txBody>
+          <a:bodyPr wrap="square" lIns="182880" tIns="146304" rIns="182880" bIns="146304" rtlCol="0">
+            <a:spAutoFit/>
+          </a:bodyPr>
+          <a:lstStyle/>
+          <a:p>
+            <a:r>
+              <a:rPr lang="en-US" sz="2800" dirty="0"/>
+              <a:t>“How much of an impact will these process changes have on our development cadence? Will learning this place a new burden on the developers?”</a:t>
+            </a:r>
+          </a:p>
+          <a:p>
+            <a:pPr marL="514350" indent="-514350">
+              <a:buFont typeface="+mj-lt"/>
+              <a:buAutoNum type="arabicPeriod" startAt="4"/>
+            </a:pPr>
+            <a:endParaRPr lang="en-US" sz="2800" dirty="0"/>
+          </a:p>
+          <a:p>
+            <a:r>
+              <a:rPr lang="en-US" sz="2800" dirty="0"/>
+              <a:t>“Our developers are already having challenges learning how to use Git – will adding a continuous deployment system on top of that slow them down and confuse them even more?”</a:t>
+            </a:r>
+          </a:p>
+        </p:txBody>
+      </p:sp>
+    </p:spTree>
+    <p:extLst>
+      <p:ext uri="{BB962C8B-B14F-4D97-AF65-F5344CB8AC3E}">
+        <p14:creationId xmlns:p14="http://schemas.microsoft.com/office/powerpoint/2010/main" val="69969904"/>
+      </p:ext>
+    </p:extLst>
+  </p:cSld>
+  <p:clrMapOvr>
+    <a:masterClrMapping/>
+  </p:clrMapOvr>
+  <mc:AlternateContent xmlns:mc="http://schemas.openxmlformats.org/markup-compatibility/2006" xmlns:p14="http://schemas.microsoft.com/office/powerpoint/2010/main">
+    <mc:Choice Requires="p14">
+      <p:transition p14:dur="0"/>
+    </mc:Choice>
+    <mc:Fallback xmlns="">
+      <p:transition/>
+    </mc:Fallback>
+  </mc:AlternateContent>
+</p:sld>
+</file>
+
+<file path=ppt/slides/slide14.xml><?xml version="1.0" encoding="utf-8"?>
+<p:sld xmlns:a="http://schemas.openxmlformats.org/drawingml/2006/main" xmlns:r="http://schemas.openxmlformats.org/officeDocument/2006/relationships" xmlns:p="http://schemas.openxmlformats.org/presentationml/2006/main">
+  <p:cSld>
+    <p:spTree>
+      <p:nvGrpSpPr>
+        <p:cNvPr id="1" name=""/>
+        <p:cNvGrpSpPr/>
+        <p:nvPr/>
+      </p:nvGrpSpPr>
+      <p:grpSpPr>
+        <a:xfrm>
+          <a:off x="0" y="0"/>
+          <a:ext cx="0" cy="0"/>
+          <a:chOff x="0" y="0"/>
+          <a:chExt cx="0" cy="0"/>
+        </a:xfrm>
+      </p:grpSpPr>
+      <p:sp>
+        <p:nvSpPr>
           <p:cNvPr id="3" name="Title 2">
             <a:extLst>
               <a:ext uri="{FF2B5EF4-FFF2-40B4-BE49-F238E27FC236}">
@@ -16395,8 +16513,13 @@
           <a:p>
             <a:r>
               <a:rPr lang="en-US" dirty="0"/>
-              <a:t>Common Scenarios</a:t>
-            </a:r>
+              <a:t>Common </a:t>
+            </a:r>
+            <a:r>
+              <a:rPr lang="en-US" dirty="0" smtClean="0"/>
+              <a:t>scenarios</a:t>
+            </a:r>
+            <a:endParaRPr lang="en-US" dirty="0"/>
           </a:p>
         </p:txBody>
       </p:sp>
@@ -16422,8 +16545,8 @@
         </p:blipFill>
         <p:spPr>
           <a:xfrm>
-            <a:off x="904837" y="1795450"/>
-            <a:ext cx="10382326" cy="3267099"/>
+            <a:off x="489258" y="1795450"/>
+            <a:ext cx="11170447" cy="3515104"/>
           </a:xfrm>
           <a:prstGeom prst="rect">
             <a:avLst/>
@@ -16443,185 +16566,6 @@
   <p:transition>
     <p:fade/>
   </p:transition>
-</p:sld>
-</file>
-
-<file path=ppt/slides/slide14.xml><?xml version="1.0" encoding="utf-8"?>
-<p:sld xmlns:a="http://schemas.openxmlformats.org/drawingml/2006/main" xmlns:r="http://schemas.openxmlformats.org/officeDocument/2006/relationships" xmlns:p="http://schemas.openxmlformats.org/presentationml/2006/main">
-  <p:cSld>
-    <p:spTree>
-      <p:nvGrpSpPr>
-        <p:cNvPr id="1" name=""/>
-        <p:cNvGrpSpPr/>
-        <p:nvPr/>
-      </p:nvGrpSpPr>
-      <p:grpSpPr>
-        <a:xfrm>
-          <a:off x="0" y="0"/>
-          <a:ext cx="0" cy="0"/>
-          <a:chOff x="0" y="0"/>
-          <a:chExt cx="0" cy="0"/>
-        </a:xfrm>
-      </p:grpSpPr>
-      <p:sp>
-        <p:nvSpPr>
-          <p:cNvPr id="2" name="Title 1"/>
-          <p:cNvSpPr>
-            <a:spLocks noGrp="1"/>
-          </p:cNvSpPr>
-          <p:nvPr>
-            <p:ph type="title"/>
-          </p:nvPr>
-        </p:nvSpPr>
-        <p:spPr>
-          <a:xfrm>
-            <a:off x="291012" y="289511"/>
-            <a:ext cx="11655840" cy="899665"/>
-          </a:xfrm>
-        </p:spPr>
-        <p:txBody>
-          <a:bodyPr>
-            <a:normAutofit/>
-          </a:bodyPr>
-          <a:lstStyle/>
-          <a:p>
-            <a:r>
-              <a:rPr lang="en-US" sz="4400" dirty="0">
-                <a:solidFill>
-                  <a:schemeClr val="tx1"/>
-                </a:solidFill>
-                <a:latin typeface="Segoe UI Light" panose="020B0502040204020203" pitchFamily="34" charset="0"/>
-                <a:cs typeface="Segoe UI Light" panose="020B0502040204020203" pitchFamily="34" charset="0"/>
-              </a:rPr>
-              <a:t>Step 2: Design a proof of concept solution</a:t>
-            </a:r>
-          </a:p>
-        </p:txBody>
-      </p:sp>
-      <p:sp>
-        <p:nvSpPr>
-          <p:cNvPr id="9" name="TextBox 8">
-            <a:extLst>
-              <a:ext uri="{FF2B5EF4-FFF2-40B4-BE49-F238E27FC236}">
-                <a16:creationId xmlns:a16="http://schemas.microsoft.com/office/drawing/2014/main" id="{0F86F9F9-39B5-4CE6-AF48-9ADAE40EA728}"/>
-              </a:ext>
-            </a:extLst>
-          </p:cNvPr>
-          <p:cNvSpPr txBox="1"/>
-          <p:nvPr/>
-        </p:nvSpPr>
-        <p:spPr>
-          <a:xfrm>
-            <a:off x="362057" y="1741246"/>
-            <a:ext cx="10652686" cy="2597634"/>
-          </a:xfrm>
-          <a:prstGeom prst="rect">
-            <a:avLst/>
-          </a:prstGeom>
-          <a:noFill/>
-        </p:spPr>
-        <p:txBody>
-          <a:bodyPr wrap="square" lIns="182880" tIns="146304" rIns="182880" bIns="146304" rtlCol="0">
-            <a:spAutoFit/>
-          </a:bodyPr>
-          <a:lstStyle/>
-          <a:p>
-            <a:pPr>
-              <a:lnSpc>
-                <a:spcPct val="90000"/>
-              </a:lnSpc>
-              <a:spcAft>
-                <a:spcPts val="600"/>
-              </a:spcAft>
-            </a:pPr>
-            <a:r>
-              <a:rPr lang="en-US" sz="3600" dirty="0">
-                <a:latin typeface="+mj-lt"/>
-              </a:rPr>
-              <a:t>Outcome</a:t>
-            </a:r>
-          </a:p>
-          <a:p>
-            <a:pPr>
-              <a:lnSpc>
-                <a:spcPct val="90000"/>
-              </a:lnSpc>
-              <a:spcAft>
-                <a:spcPts val="600"/>
-              </a:spcAft>
-            </a:pPr>
-            <a:r>
-              <a:rPr lang="en-US" sz="2400" dirty="0">
-                <a:latin typeface="Segoe UI Semilight" panose="020B0402040204020203" pitchFamily="34" charset="0"/>
-                <a:cs typeface="Segoe UI Semilight" panose="020B0402040204020203" pitchFamily="34" charset="0"/>
-              </a:rPr>
-              <a:t>Prepare to present a solution for your target audience</a:t>
-            </a:r>
-          </a:p>
-          <a:p>
-            <a:pPr>
-              <a:lnSpc>
-                <a:spcPct val="90000"/>
-              </a:lnSpc>
-              <a:spcAft>
-                <a:spcPts val="600"/>
-              </a:spcAft>
-            </a:pPr>
-            <a:endParaRPr lang="en-US" sz="2400" dirty="0"/>
-          </a:p>
-          <a:p>
-            <a:pPr>
-              <a:lnSpc>
-                <a:spcPct val="90000"/>
-              </a:lnSpc>
-              <a:spcAft>
-                <a:spcPts val="600"/>
-              </a:spcAft>
-            </a:pPr>
-            <a:r>
-              <a:rPr lang="en-US" sz="3600" dirty="0">
-                <a:latin typeface="+mj-lt"/>
-              </a:rPr>
-              <a:t>Timeframe</a:t>
-            </a:r>
-          </a:p>
-          <a:p>
-            <a:pPr>
-              <a:lnSpc>
-                <a:spcPct val="90000"/>
-              </a:lnSpc>
-              <a:spcAft>
-                <a:spcPts val="600"/>
-              </a:spcAft>
-            </a:pPr>
-            <a:r>
-              <a:rPr lang="en-US" sz="2400" dirty="0">
-                <a:latin typeface="Segoe UI Semilight" panose="020B0402040204020203" pitchFamily="34" charset="0"/>
-                <a:cs typeface="Segoe UI Semilight" panose="020B0402040204020203" pitchFamily="34" charset="0"/>
-              </a:rPr>
-              <a:t>60 minutes</a:t>
-            </a:r>
-          </a:p>
-        </p:txBody>
-      </p:sp>
-    </p:spTree>
-    <p:extLst>
-      <p:ext uri="{BB962C8B-B14F-4D97-AF65-F5344CB8AC3E}">
-        <p14:creationId xmlns:p14="http://schemas.microsoft.com/office/powerpoint/2010/main" val="1203314758"/>
-      </p:ext>
-    </p:extLst>
-  </p:cSld>
-  <p:clrMapOvr>
-    <a:masterClrMapping/>
-  </p:clrMapOvr>
-  <mc:AlternateContent xmlns:mc="http://schemas.openxmlformats.org/markup-compatibility/2006" xmlns:p14="http://schemas.microsoft.com/office/powerpoint/2010/main">
-    <mc:Choice Requires="p14">
-      <p:transition p14:dur="0"/>
-    </mc:Choice>
-    <mc:Fallback xmlns="">
-      <p:transition/>
-    </mc:Fallback>
-  </mc:AlternateContent>
 </p:sld>
 </file>
 
@@ -17537,7 +17481,7 @@
         <p:spPr>
           <a:xfrm>
             <a:off x="340285" y="1741246"/>
-            <a:ext cx="7247965" cy="2597634"/>
+            <a:ext cx="7247965" cy="3006977"/>
           </a:xfrm>
           <a:prstGeom prst="rect">
             <a:avLst/>
@@ -17575,8 +17519,28 @@
               </a:spcAft>
             </a:pPr>
             <a:r>
-              <a:rPr lang="en-US" sz="2400" dirty="0"/>
-              <a:t>Review preferred solution</a:t>
+              <a:rPr lang="en-US" sz="2400" dirty="0">
+                <a:latin typeface="Segoe UI Semilight" panose="020B0402040204020203" pitchFamily="34" charset="0"/>
+                <a:cs typeface="Segoe UI Semilight" panose="020B0402040204020203" pitchFamily="34" charset="0"/>
+              </a:rPr>
+              <a:t>Identify the preferred solution for the case study</a:t>
+            </a:r>
+          </a:p>
+          <a:p>
+            <a:pPr>
+              <a:lnSpc>
+                <a:spcPct val="90000"/>
+              </a:lnSpc>
+              <a:spcAft>
+                <a:spcPts val="600"/>
+              </a:spcAft>
+            </a:pPr>
+            <a:r>
+              <a:rPr lang="en-US" sz="2400" dirty="0">
+                <a:latin typeface="Segoe UI Semilight" panose="020B0402040204020203" pitchFamily="34" charset="0"/>
+                <a:cs typeface="Segoe UI Semilight" panose="020B0402040204020203" pitchFamily="34" charset="0"/>
+              </a:rPr>
+              <a:t>Identify solutions designed by other teams</a:t>
             </a:r>
           </a:p>
           <a:p>
@@ -17682,36 +17646,36 @@
         <p:spPr>
           <a:xfrm>
             <a:off x="269239" y="1189177"/>
-            <a:ext cx="11653523" cy="4046236"/>
+            <a:ext cx="11653523" cy="3730252"/>
           </a:xfrm>
         </p:spPr>
         <p:txBody>
           <a:bodyPr/>
           <a:lstStyle/>
           <a:p>
-            <a:endParaRPr lang="en-US" dirty="0"/>
-          </a:p>
-          <a:p>
-            <a:r>
-              <a:rPr lang="en-US" dirty="0"/>
+            <a:endParaRPr lang="en-US" sz="3600" dirty="0"/>
+          </a:p>
+          <a:p>
+            <a:r>
+              <a:rPr lang="en-US" sz="3600" dirty="0"/>
               <a:t>Alex Montgomery, VP of Sales</a:t>
             </a:r>
           </a:p>
           <a:p>
-            <a:endParaRPr lang="en-US" dirty="0"/>
-          </a:p>
-          <a:p>
-            <a:r>
-              <a:rPr lang="en-US" dirty="0"/>
+            <a:endParaRPr lang="en-US" sz="3600" dirty="0"/>
+          </a:p>
+          <a:p>
+            <a:r>
+              <a:rPr lang="en-US" sz="3600" dirty="0"/>
               <a:t>Todd Culp, Enterprise Architect</a:t>
             </a:r>
           </a:p>
           <a:p>
-            <a:endParaRPr lang="en-US" dirty="0"/>
-          </a:p>
-          <a:p>
-            <a:r>
-              <a:rPr lang="en-US" dirty="0"/>
+            <a:endParaRPr lang="en-US" sz="3600" dirty="0"/>
+          </a:p>
+          <a:p>
+            <a:r>
+              <a:rPr lang="en-US" sz="3600" dirty="0"/>
               <a:t>Development team</a:t>
             </a:r>
           </a:p>
@@ -17745,6 +17709,15 @@
                 </a:solidFill>
               </a:rPr>
               <a:t>Preferred target audience</a:t>
+            </a:r>
+            <a:r>
+              <a:rPr lang="en-US" dirty="0">
+                <a:solidFill>
+                  <a:schemeClr val="tx1"/>
+                </a:solidFill>
+                <a:latin typeface="Segoe UI" panose="020B0502040204020203" pitchFamily="34" charset="0"/>
+              </a:rPr>
+              <a:t/>
             </a:r>
             <a:br>
               <a:rPr lang="en-US" dirty="0">
@@ -17787,7 +17760,7 @@
         </p:blipFill>
         <p:spPr>
           <a:xfrm>
-            <a:off x="8725215" y="3683230"/>
+            <a:off x="8971400" y="1893689"/>
             <a:ext cx="2321227" cy="2321227"/>
           </a:xfrm>
           <a:prstGeom prst="rect">
@@ -17880,8 +17853,8 @@
         </p:blipFill>
         <p:spPr>
           <a:xfrm>
-            <a:off x="839394" y="2769737"/>
-            <a:ext cx="10126151" cy="2902780"/>
+            <a:off x="436164" y="2195305"/>
+            <a:ext cx="11276287" cy="3232480"/>
           </a:xfrm>
           <a:prstGeom prst="rect">
             <a:avLst/>
@@ -17978,8 +17951,8 @@
         </p:nvSpPr>
         <p:spPr>
           <a:xfrm>
-            <a:off x="340284" y="1291421"/>
-            <a:ext cx="9630031" cy="5232202"/>
+            <a:off x="340284" y="1189176"/>
+            <a:ext cx="11584796" cy="5099858"/>
           </a:xfrm>
           <a:prstGeom prst="rect">
             <a:avLst/>
@@ -18017,9 +17990,32 @@
               </a:spcAft>
             </a:pPr>
             <a:r>
+              <a:rPr lang="en-US" sz="2000" dirty="0" smtClean="0"/>
+              <a:t>In </a:t>
+            </a:r>
+            <a:r>
               <a:rPr lang="en-US" sz="2000" dirty="0"/>
-              <a:t>Setup and configure continuous delivery within Azure using a combination of Azure Resource Manager (ARM) templates and Visual Studio Team Services (VSTS). Attendees will do this throughout the use of a new VSTS project, Git repository for source control, and an ARM template for Azure resource deployment and configuration management.</a:t>
-            </a:r>
+              <a:t>this workshop, </a:t>
+            </a:r>
+            <a:r>
+              <a:rPr lang="en-US" sz="2000" dirty="0" smtClean="0"/>
+              <a:t>attendees </a:t>
+            </a:r>
+            <a:r>
+              <a:rPr lang="en-US" sz="2000" dirty="0"/>
+              <a:t>will learn how to setup and configure continuous delivery within Azure using a combination of Azure Resource Manager (ARM) templates and Visual Studio Team Services (VSTS). Attendees will do this throughout the use of a new VSTS project, </a:t>
+            </a:r>
+            <a:r>
+              <a:rPr lang="en-US" sz="2000" dirty="0" err="1"/>
+              <a:t>Git</a:t>
+            </a:r>
+            <a:r>
+              <a:rPr lang="en-US" sz="2000" dirty="0"/>
+              <a:t> repository for source control, and an ARM template for Azure resource deployment and configuration management.</a:t>
+            </a:r>
+            <a:endParaRPr lang="en-US" sz="2000" dirty="0">
+              <a:latin typeface="+mj-lt"/>
+            </a:endParaRPr>
           </a:p>
           <a:p>
             <a:pPr>
@@ -18030,24 +18026,28 @@
                 <a:spcPts val="600"/>
               </a:spcAft>
             </a:pPr>
-            <a:endParaRPr lang="en-US" sz="2200" dirty="0">
-              <a:latin typeface="+mj-lt"/>
-            </a:endParaRPr>
-          </a:p>
-          <a:p>
-            <a:pPr>
-              <a:lnSpc>
-                <a:spcPct val="90000"/>
-              </a:lnSpc>
-              <a:spcAft>
-                <a:spcPts val="600"/>
-              </a:spcAft>
-            </a:pPr>
+            <a:r>
+              <a:rPr lang="en-US" sz="3600" dirty="0" smtClean="0">
+                <a:latin typeface="+mj-lt"/>
+              </a:rPr>
+              <a:t/>
+            </a:r>
+            <a:br>
+              <a:rPr lang="en-US" sz="3600" dirty="0" smtClean="0">
+                <a:latin typeface="+mj-lt"/>
+              </a:rPr>
+            </a:br>
+            <a:r>
+              <a:rPr lang="en-US" sz="3600" dirty="0" smtClean="0">
+                <a:latin typeface="+mj-lt"/>
+              </a:rPr>
+              <a:t>Learning </a:t>
+            </a:r>
             <a:r>
               <a:rPr lang="en-US" sz="3600" dirty="0">
                 <a:latin typeface="+mj-lt"/>
               </a:rPr>
-              <a:t>Learning objectives</a:t>
+              <a:t>objectives</a:t>
             </a:r>
           </a:p>
           <a:p>
@@ -18186,8 +18186,8 @@
         </p:nvSpPr>
         <p:spPr>
           <a:xfrm>
-            <a:off x="269239" y="1189177"/>
-            <a:ext cx="10703561" cy="4988930"/>
+            <a:off x="269240" y="1447083"/>
+            <a:ext cx="10281530" cy="5041380"/>
           </a:xfrm>
         </p:spPr>
         <p:txBody>
@@ -18198,28 +18198,102 @@
               <a:buNone/>
             </a:pPr>
             <a:r>
-              <a:rPr lang="en-US" dirty="0"/>
-              <a:t>Visual Studio Team Services build and release management are a complete end to end solution for automating builds deployment for the solutions</a:t>
-            </a:r>
-          </a:p>
-          <a:p>
-            <a:endParaRPr lang="en-US" dirty="0"/>
-          </a:p>
-          <a:p>
-            <a:r>
-              <a:rPr lang="en-US" sz="3200" dirty="0"/>
+              <a:rPr lang="en-US" sz="3600" dirty="0">
+                <a:latin typeface="Segoe UI Semilight" panose="020B0402040204020203" pitchFamily="34" charset="0"/>
+                <a:cs typeface="Segoe UI Semilight" panose="020B0402040204020203" pitchFamily="34" charset="0"/>
+              </a:rPr>
+              <a:t>Visual Studio Team Services build and release management </a:t>
+            </a:r>
+            <a:r>
+              <a:rPr lang="en-US" sz="3600" dirty="0" smtClean="0">
+                <a:latin typeface="Segoe UI Semilight" panose="020B0402040204020203" pitchFamily="34" charset="0"/>
+                <a:cs typeface="Segoe UI Semilight" panose="020B0402040204020203" pitchFamily="34" charset="0"/>
+              </a:rPr>
+              <a:t>for a complete end-to-end </a:t>
+            </a:r>
+            <a:r>
+              <a:rPr lang="en-US" sz="3600" dirty="0">
+                <a:latin typeface="Segoe UI Semilight" panose="020B0402040204020203" pitchFamily="34" charset="0"/>
+                <a:cs typeface="Segoe UI Semilight" panose="020B0402040204020203" pitchFamily="34" charset="0"/>
+              </a:rPr>
+              <a:t>solution for automating </a:t>
+            </a:r>
+            <a:r>
+              <a:rPr lang="en-US" sz="3600" dirty="0" smtClean="0">
+                <a:latin typeface="Segoe UI Semilight" panose="020B0402040204020203" pitchFamily="34" charset="0"/>
+                <a:cs typeface="Segoe UI Semilight" panose="020B0402040204020203" pitchFamily="34" charset="0"/>
+              </a:rPr>
+              <a:t>builds and deployment.</a:t>
+            </a:r>
+            <a:br>
+              <a:rPr lang="en-US" sz="3600" dirty="0" smtClean="0">
+                <a:latin typeface="Segoe UI Semilight" panose="020B0402040204020203" pitchFamily="34" charset="0"/>
+                <a:cs typeface="Segoe UI Semilight" panose="020B0402040204020203" pitchFamily="34" charset="0"/>
+              </a:rPr>
+            </a:br>
+            <a:endParaRPr lang="en-US" sz="2800" dirty="0">
+              <a:latin typeface="Segoe UI Semilight" panose="020B0402040204020203" pitchFamily="34" charset="0"/>
+              <a:cs typeface="Segoe UI Semilight" panose="020B0402040204020203" pitchFamily="34" charset="0"/>
+            </a:endParaRPr>
+          </a:p>
+          <a:p>
+            <a:r>
+              <a:rPr lang="en-US" sz="2800" dirty="0">
+                <a:latin typeface="Segoe UI Semilight" panose="020B0402040204020203" pitchFamily="34" charset="0"/>
+                <a:cs typeface="Segoe UI Semilight" panose="020B0402040204020203" pitchFamily="34" charset="0"/>
+              </a:rPr>
               <a:t>Create a build definition </a:t>
             </a:r>
-          </a:p>
-          <a:p>
-            <a:r>
-              <a:rPr lang="en-US" sz="3200" dirty="0"/>
-              <a:t>Create a release pipeline that deploys the solution to one or more environments with validation and verification</a:t>
-            </a:r>
-          </a:p>
-          <a:p>
-            <a:r>
-              <a:rPr lang="en-US" sz="3200" dirty="0"/>
+            <a:r>
+              <a:rPr lang="en-US" sz="2800" dirty="0" smtClean="0">
+                <a:latin typeface="Segoe UI Semilight" panose="020B0402040204020203" pitchFamily="34" charset="0"/>
+                <a:cs typeface="Segoe UI Semilight" panose="020B0402040204020203" pitchFamily="34" charset="0"/>
+              </a:rPr>
+              <a:t/>
+            </a:r>
+            <a:br>
+              <a:rPr lang="en-US" sz="2800" dirty="0" smtClean="0">
+                <a:latin typeface="Segoe UI Semilight" panose="020B0402040204020203" pitchFamily="34" charset="0"/>
+                <a:cs typeface="Segoe UI Semilight" panose="020B0402040204020203" pitchFamily="34" charset="0"/>
+              </a:rPr>
+            </a:br>
+            <a:endParaRPr lang="en-US" sz="2800" dirty="0">
+              <a:latin typeface="Segoe UI Semilight" panose="020B0402040204020203" pitchFamily="34" charset="0"/>
+              <a:cs typeface="Segoe UI Semilight" panose="020B0402040204020203" pitchFamily="34" charset="0"/>
+            </a:endParaRPr>
+          </a:p>
+          <a:p>
+            <a:r>
+              <a:rPr lang="en-US" sz="2800" dirty="0">
+                <a:latin typeface="Segoe UI Semilight" panose="020B0402040204020203" pitchFamily="34" charset="0"/>
+                <a:cs typeface="Segoe UI Semilight" panose="020B0402040204020203" pitchFamily="34" charset="0"/>
+              </a:rPr>
+              <a:t>Create a release pipeline that deploys the solution to one or more environments with validation and </a:t>
+            </a:r>
+            <a:r>
+              <a:rPr lang="en-US" sz="2800" dirty="0" smtClean="0">
+                <a:latin typeface="Segoe UI Semilight" panose="020B0402040204020203" pitchFamily="34" charset="0"/>
+                <a:cs typeface="Segoe UI Semilight" panose="020B0402040204020203" pitchFamily="34" charset="0"/>
+              </a:rPr>
+              <a:t>verification</a:t>
+            </a:r>
+            <a:br>
+              <a:rPr lang="en-US" sz="2800" dirty="0" smtClean="0">
+                <a:latin typeface="Segoe UI Semilight" panose="020B0402040204020203" pitchFamily="34" charset="0"/>
+                <a:cs typeface="Segoe UI Semilight" panose="020B0402040204020203" pitchFamily="34" charset="0"/>
+              </a:rPr>
+            </a:br>
+            <a:endParaRPr lang="en-US" sz="2800" dirty="0">
+              <a:latin typeface="Segoe UI Semilight" panose="020B0402040204020203" pitchFamily="34" charset="0"/>
+              <a:cs typeface="Segoe UI Semilight" panose="020B0402040204020203" pitchFamily="34" charset="0"/>
+            </a:endParaRPr>
+          </a:p>
+          <a:p>
+            <a:r>
+              <a:rPr lang="en-US" sz="2800" dirty="0">
+                <a:latin typeface="Segoe UI Semilight" panose="020B0402040204020203" pitchFamily="34" charset="0"/>
+                <a:cs typeface="Segoe UI Semilight" panose="020B0402040204020203" pitchFamily="34" charset="0"/>
+              </a:rPr>
               <a:t>Setup approval steps as quality gates to control the flow of each release </a:t>
             </a:r>
           </a:p>
@@ -18247,7 +18321,7 @@
           <a:lstStyle/>
           <a:p>
             <a:r>
-              <a:rPr lang="en-US" dirty="0"/>
+              <a:rPr lang="en-US" sz="4400" dirty="0"/>
               <a:t>Automate software builds and deployments</a:t>
             </a:r>
           </a:p>
@@ -18282,7 +18356,7 @@
         </p:blipFill>
         <p:spPr>
           <a:xfrm>
-            <a:off x="10202460" y="2977008"/>
+            <a:off x="10202461" y="2519808"/>
             <a:ext cx="1540680" cy="1540680"/>
           </a:xfrm>
           <a:prstGeom prst="rect">
@@ -18342,7 +18416,7 @@
         <p:spPr>
           <a:xfrm>
             <a:off x="188318" y="1779896"/>
-            <a:ext cx="11653523" cy="3261855"/>
+            <a:ext cx="11653523" cy="4007251"/>
           </a:xfrm>
         </p:spPr>
         <p:txBody>
@@ -18350,25 +18424,75 @@
           <a:lstStyle/>
           <a:p>
             <a:r>
-              <a:rPr lang="en-US" dirty="0"/>
-              <a:t>Use the deployment slots feature of Azure App Services</a:t>
-            </a:r>
-          </a:p>
-          <a:p>
-            <a:r>
-              <a:rPr lang="en-US" dirty="0"/>
-              <a:t>Create and deploy to a staging slot</a:t>
-            </a:r>
-          </a:p>
-          <a:p>
-            <a:r>
-              <a:rPr lang="en-US" dirty="0"/>
+              <a:rPr lang="en-US" sz="3600" dirty="0">
+                <a:latin typeface="+mn-lt"/>
+              </a:rPr>
+              <a:t>Use the deployment slots feature of Azure App </a:t>
+            </a:r>
+            <a:r>
+              <a:rPr lang="en-US" sz="3600" dirty="0" smtClean="0">
+                <a:latin typeface="+mn-lt"/>
+              </a:rPr>
+              <a:t>Services</a:t>
+            </a:r>
+            <a:br>
+              <a:rPr lang="en-US" sz="3600" dirty="0" smtClean="0">
+                <a:latin typeface="+mn-lt"/>
+              </a:rPr>
+            </a:br>
+            <a:endParaRPr lang="en-US" sz="3600" dirty="0">
+              <a:latin typeface="+mn-lt"/>
+            </a:endParaRPr>
+          </a:p>
+          <a:p>
+            <a:r>
+              <a:rPr lang="en-US" sz="3600" dirty="0">
+                <a:latin typeface="+mn-lt"/>
+              </a:rPr>
+              <a:t>Create and deploy to a staging </a:t>
+            </a:r>
+            <a:r>
+              <a:rPr lang="en-US" sz="3600" dirty="0" smtClean="0">
+                <a:latin typeface="+mn-lt"/>
+              </a:rPr>
+              <a:t>slot</a:t>
+            </a:r>
+            <a:br>
+              <a:rPr lang="en-US" sz="3600" dirty="0" smtClean="0">
+                <a:latin typeface="+mn-lt"/>
+              </a:rPr>
+            </a:br>
+            <a:endParaRPr lang="en-US" sz="3600" dirty="0">
+              <a:latin typeface="+mn-lt"/>
+            </a:endParaRPr>
+          </a:p>
+          <a:p>
+            <a:r>
+              <a:rPr lang="en-US" sz="3600" dirty="0">
+                <a:latin typeface="+mn-lt"/>
+              </a:rPr>
               <a:t>Release and validate </a:t>
             </a:r>
-          </a:p>
-          <a:p>
-            <a:r>
-              <a:rPr lang="en-US" dirty="0"/>
+            <a:r>
+              <a:rPr lang="en-US" sz="3600" dirty="0" smtClean="0">
+                <a:latin typeface="+mn-lt"/>
+              </a:rPr>
+              <a:t/>
+            </a:r>
+            <a:br>
+              <a:rPr lang="en-US" sz="3600" dirty="0" smtClean="0">
+                <a:latin typeface="+mn-lt"/>
+              </a:rPr>
+            </a:br>
+            <a:endParaRPr lang="en-US" sz="3600" dirty="0">
+              <a:latin typeface="+mn-lt"/>
+            </a:endParaRPr>
+          </a:p>
+          <a:p>
+            <a:r>
+              <a:rPr lang="en-US" sz="3600" dirty="0">
+                <a:latin typeface="+mn-lt"/>
+              </a:rPr>
               <a:t>Swap staging with production </a:t>
             </a:r>
           </a:p>
@@ -18396,7 +18520,7 @@
           <a:lstStyle/>
           <a:p>
             <a:r>
-              <a:rPr lang="en-US" dirty="0"/>
+              <a:rPr lang="en-US" sz="4400" dirty="0"/>
               <a:t>Continuous deployment without production impact</a:t>
             </a:r>
           </a:p>
@@ -18491,7 +18615,7 @@
         <p:spPr>
           <a:xfrm>
             <a:off x="269239" y="1189177"/>
-            <a:ext cx="11653523" cy="4347922"/>
+            <a:ext cx="11653523" cy="5048883"/>
           </a:xfrm>
         </p:spPr>
         <p:txBody>
@@ -18502,19 +18626,76 @@
           </a:p>
           <a:p>
             <a:r>
-              <a:rPr lang="en-US" dirty="0"/>
-              <a:t>Create the build definition and add a task to run the unit tests</a:t>
-            </a:r>
-          </a:p>
-          <a:p>
-            <a:r>
-              <a:rPr lang="en-US" dirty="0"/>
-              <a:t>If one or more test fails the continuous delivery process will halt</a:t>
-            </a:r>
-          </a:p>
-          <a:p>
-            <a:r>
-              <a:rPr lang="en-US" dirty="0"/>
+              <a:rPr lang="en-US" sz="3600" dirty="0">
+                <a:latin typeface="Segoe UI Semilight" panose="020B0402040204020203" pitchFamily="34" charset="0"/>
+                <a:cs typeface="Segoe UI Semilight" panose="020B0402040204020203" pitchFamily="34" charset="0"/>
+              </a:rPr>
+              <a:t>Create the build definition and add a task to run the unit </a:t>
+            </a:r>
+            <a:r>
+              <a:rPr lang="en-US" sz="3600" dirty="0" smtClean="0">
+                <a:latin typeface="Segoe UI Semilight" panose="020B0402040204020203" pitchFamily="34" charset="0"/>
+                <a:cs typeface="Segoe UI Semilight" panose="020B0402040204020203" pitchFamily="34" charset="0"/>
+              </a:rPr>
+              <a:t>tests</a:t>
+            </a:r>
+            <a:br>
+              <a:rPr lang="en-US" sz="3600" dirty="0" smtClean="0">
+                <a:latin typeface="Segoe UI Semilight" panose="020B0402040204020203" pitchFamily="34" charset="0"/>
+                <a:cs typeface="Segoe UI Semilight" panose="020B0402040204020203" pitchFamily="34" charset="0"/>
+              </a:rPr>
+            </a:br>
+            <a:endParaRPr lang="en-US" sz="3600" dirty="0">
+              <a:latin typeface="Segoe UI Semilight" panose="020B0402040204020203" pitchFamily="34" charset="0"/>
+              <a:cs typeface="Segoe UI Semilight" panose="020B0402040204020203" pitchFamily="34" charset="0"/>
+            </a:endParaRPr>
+          </a:p>
+          <a:p>
+            <a:r>
+              <a:rPr lang="en-US" sz="3600" dirty="0">
+                <a:latin typeface="Segoe UI Semilight" panose="020B0402040204020203" pitchFamily="34" charset="0"/>
+                <a:cs typeface="Segoe UI Semilight" panose="020B0402040204020203" pitchFamily="34" charset="0"/>
+              </a:rPr>
+              <a:t>If one or more test </a:t>
+            </a:r>
+            <a:r>
+              <a:rPr lang="en-US" sz="3600" dirty="0" smtClean="0">
+                <a:latin typeface="Segoe UI Semilight" panose="020B0402040204020203" pitchFamily="34" charset="0"/>
+                <a:cs typeface="Segoe UI Semilight" panose="020B0402040204020203" pitchFamily="34" charset="0"/>
+              </a:rPr>
+              <a:t>fails, </a:t>
+            </a:r>
+            <a:r>
+              <a:rPr lang="en-US" sz="3600" dirty="0">
+                <a:latin typeface="Segoe UI Semilight" panose="020B0402040204020203" pitchFamily="34" charset="0"/>
+                <a:cs typeface="Segoe UI Semilight" panose="020B0402040204020203" pitchFamily="34" charset="0"/>
+              </a:rPr>
+              <a:t>the continuous delivery process will </a:t>
+            </a:r>
+            <a:r>
+              <a:rPr lang="en-US" sz="3600" dirty="0" smtClean="0">
+                <a:latin typeface="Segoe UI Semilight" panose="020B0402040204020203" pitchFamily="34" charset="0"/>
+                <a:cs typeface="Segoe UI Semilight" panose="020B0402040204020203" pitchFamily="34" charset="0"/>
+              </a:rPr>
+              <a:t>halt</a:t>
+            </a:r>
+            <a:br>
+              <a:rPr lang="en-US" sz="3600" dirty="0" smtClean="0">
+                <a:latin typeface="Segoe UI Semilight" panose="020B0402040204020203" pitchFamily="34" charset="0"/>
+                <a:cs typeface="Segoe UI Semilight" panose="020B0402040204020203" pitchFamily="34" charset="0"/>
+              </a:rPr>
+            </a:br>
+            <a:endParaRPr lang="en-US" sz="3600" dirty="0">
+              <a:latin typeface="Segoe UI Semilight" panose="020B0402040204020203" pitchFamily="34" charset="0"/>
+              <a:cs typeface="Segoe UI Semilight" panose="020B0402040204020203" pitchFamily="34" charset="0"/>
+            </a:endParaRPr>
+          </a:p>
+          <a:p>
+            <a:r>
+              <a:rPr lang="en-US" sz="3600" dirty="0">
+                <a:latin typeface="Segoe UI Semilight" panose="020B0402040204020203" pitchFamily="34" charset="0"/>
+                <a:cs typeface="Segoe UI Semilight" panose="020B0402040204020203" pitchFamily="34" charset="0"/>
+              </a:rPr>
               <a:t>Extend the task to create a new work item for tracking if the test fails</a:t>
             </a:r>
           </a:p>
@@ -18542,7 +18723,7 @@
           <a:lstStyle/>
           <a:p>
             <a:r>
-              <a:rPr lang="en-US" dirty="0"/>
+              <a:rPr lang="en-US" sz="4400" dirty="0"/>
               <a:t>Unit test integration</a:t>
             </a:r>
           </a:p>
@@ -18600,27 +18781,35 @@
         <p:spPr>
           <a:xfrm>
             <a:off x="269240" y="1189177"/>
-            <a:ext cx="8542988" cy="4890954"/>
+            <a:ext cx="8323775" cy="4505849"/>
           </a:xfrm>
         </p:spPr>
         <p:txBody>
           <a:bodyPr/>
           <a:lstStyle/>
           <a:p>
-            <a:endParaRPr lang="en-US" dirty="0"/>
-          </a:p>
-          <a:p>
-            <a:r>
-              <a:rPr lang="en-US" dirty="0"/>
+            <a:endParaRPr lang="en-US" sz="3600" dirty="0">
+              <a:latin typeface="+mn-lt"/>
+            </a:endParaRPr>
+          </a:p>
+          <a:p>
+            <a:r>
+              <a:rPr lang="en-US" sz="3600" dirty="0">
+                <a:latin typeface="+mn-lt"/>
+              </a:rPr>
               <a:t>Use Azure App Services deployment slots in conjunction with the Traffic Routing feature</a:t>
             </a:r>
           </a:p>
           <a:p>
-            <a:endParaRPr lang="en-US" dirty="0"/>
-          </a:p>
-          <a:p>
-            <a:r>
-              <a:rPr lang="en-US" dirty="0"/>
+            <a:endParaRPr lang="en-US" sz="3600" dirty="0">
+              <a:latin typeface="+mn-lt"/>
+            </a:endParaRPr>
+          </a:p>
+          <a:p>
+            <a:r>
+              <a:rPr lang="en-US" sz="3600" dirty="0">
+                <a:latin typeface="+mn-lt"/>
+              </a:rPr>
               <a:t>Direct some percentage of traffic to a separate slot, use Application Insights to measure effectiveness</a:t>
             </a:r>
           </a:p>
@@ -18648,7 +18837,7 @@
           <a:lstStyle/>
           <a:p>
             <a:r>
-              <a:rPr lang="en-US" dirty="0"/>
+              <a:rPr lang="en-US" sz="4400" dirty="0"/>
               <a:t>How to enable A/B testing</a:t>
             </a:r>
           </a:p>
@@ -18683,7 +18872,7 @@
         </p:blipFill>
         <p:spPr>
           <a:xfrm>
-            <a:off x="8954725" y="3343437"/>
+            <a:off x="9142853" y="2325906"/>
             <a:ext cx="2232389" cy="2232389"/>
           </a:xfrm>
           <a:prstGeom prst="rect">
@@ -18743,30 +18932,50 @@
         <p:spPr>
           <a:xfrm>
             <a:off x="269240" y="1189177"/>
-            <a:ext cx="9093246" cy="4468596"/>
+            <a:ext cx="9093246" cy="3508653"/>
           </a:xfrm>
         </p:spPr>
         <p:txBody>
           <a:bodyPr/>
           <a:lstStyle/>
           <a:p>
-            <a:endParaRPr lang="en-US" dirty="0"/>
-          </a:p>
-          <a:p>
-            <a:r>
-              <a:rPr lang="en-US" dirty="0"/>
-              <a:t>Avoid branches with long life spans</a:t>
-            </a:r>
-          </a:p>
-          <a:p>
-            <a:endParaRPr lang="en-US" dirty="0"/>
-          </a:p>
-          <a:p>
-            <a:endParaRPr lang="en-US" dirty="0"/>
-          </a:p>
-          <a:p>
-            <a:r>
-              <a:rPr lang="en-US" dirty="0"/>
+            <a:endParaRPr lang="en-US" sz="3600" dirty="0">
+              <a:latin typeface="Segoe UI Semilight" panose="020B0402040204020203" pitchFamily="34" charset="0"/>
+              <a:cs typeface="Segoe UI Semilight" panose="020B0402040204020203" pitchFamily="34" charset="0"/>
+            </a:endParaRPr>
+          </a:p>
+          <a:p>
+            <a:r>
+              <a:rPr lang="en-US" sz="3600" dirty="0">
+                <a:latin typeface="Segoe UI Semilight" panose="020B0402040204020203" pitchFamily="34" charset="0"/>
+                <a:cs typeface="Segoe UI Semilight" panose="020B0402040204020203" pitchFamily="34" charset="0"/>
+              </a:rPr>
+              <a:t>Avoid branches with long life </a:t>
+            </a:r>
+            <a:r>
+              <a:rPr lang="en-US" sz="3600" dirty="0" smtClean="0">
+                <a:latin typeface="Segoe UI Semilight" panose="020B0402040204020203" pitchFamily="34" charset="0"/>
+                <a:cs typeface="Segoe UI Semilight" panose="020B0402040204020203" pitchFamily="34" charset="0"/>
+              </a:rPr>
+              <a:t>spans</a:t>
+            </a:r>
+            <a:endParaRPr lang="en-US" sz="3600" dirty="0">
+              <a:latin typeface="Segoe UI Semilight" panose="020B0402040204020203" pitchFamily="34" charset="0"/>
+              <a:cs typeface="Segoe UI Semilight" panose="020B0402040204020203" pitchFamily="34" charset="0"/>
+            </a:endParaRPr>
+          </a:p>
+          <a:p>
+            <a:endParaRPr lang="en-US" sz="3600" dirty="0">
+              <a:latin typeface="Segoe UI Semilight" panose="020B0402040204020203" pitchFamily="34" charset="0"/>
+              <a:cs typeface="Segoe UI Semilight" panose="020B0402040204020203" pitchFamily="34" charset="0"/>
+            </a:endParaRPr>
+          </a:p>
+          <a:p>
+            <a:r>
+              <a:rPr lang="en-US" sz="3600" dirty="0">
+                <a:latin typeface="Segoe UI Semilight" panose="020B0402040204020203" pitchFamily="34" charset="0"/>
+                <a:cs typeface="Segoe UI Semilight" panose="020B0402040204020203" pitchFamily="34" charset="0"/>
+              </a:rPr>
               <a:t>Switching source control from VSTS to GitHub by uploading the code base and editing the build definition</a:t>
             </a:r>
           </a:p>
@@ -18794,7 +19003,7 @@
           <a:lstStyle/>
           <a:p>
             <a:r>
-              <a:rPr lang="en-US" dirty="0"/>
+              <a:rPr lang="en-US" sz="4400" dirty="0"/>
               <a:t>Source Control</a:t>
             </a:r>
           </a:p>
@@ -18829,7 +19038,7 @@
         </p:blipFill>
         <p:spPr>
           <a:xfrm>
-            <a:off x="9362486" y="3178147"/>
+            <a:off x="9362486" y="2158239"/>
             <a:ext cx="2238401" cy="2238401"/>
           </a:xfrm>
           <a:prstGeom prst="rect">
@@ -18888,8 +19097,8 @@
         </p:nvSpPr>
         <p:spPr>
           <a:xfrm>
-            <a:off x="269240" y="1189177"/>
-            <a:ext cx="9133706" cy="4347922"/>
+            <a:off x="269240" y="1329854"/>
+            <a:ext cx="9133706" cy="4505849"/>
           </a:xfrm>
         </p:spPr>
         <p:txBody>
@@ -18897,21 +19106,35 @@
           <a:lstStyle/>
           <a:p>
             <a:r>
-              <a:rPr lang="en-US" dirty="0"/>
+              <a:rPr lang="en-US" sz="3600" dirty="0">
+                <a:latin typeface="+mn-lt"/>
+              </a:rPr>
               <a:t>Application insights provides searchable logs with online dashboard</a:t>
             </a:r>
           </a:p>
           <a:p>
-            <a:endParaRPr lang="en-US" dirty="0"/>
-          </a:p>
-          <a:p>
-            <a:r>
-              <a:rPr lang="en-US" dirty="0"/>
-              <a:t>And provides the ability to track useful performance and application behavior details, including browser metrics and application dependencies. </a:t>
-            </a:r>
-          </a:p>
-          <a:p>
-            <a:endParaRPr lang="en-US" dirty="0"/>
+            <a:endParaRPr lang="en-US" sz="3600" dirty="0">
+              <a:latin typeface="+mn-lt"/>
+            </a:endParaRPr>
+          </a:p>
+          <a:p>
+            <a:r>
+              <a:rPr lang="en-US" sz="3600" dirty="0" smtClean="0">
+                <a:latin typeface="+mn-lt"/>
+              </a:rPr>
+              <a:t>Provides </a:t>
+            </a:r>
+            <a:r>
+              <a:rPr lang="en-US" sz="3600" dirty="0">
+                <a:latin typeface="+mn-lt"/>
+              </a:rPr>
+              <a:t>the ability to track useful performance and application behavior details, including browser metrics and application dependencies. </a:t>
+            </a:r>
+          </a:p>
+          <a:p>
+            <a:endParaRPr lang="en-US" sz="3600" dirty="0">
+              <a:latin typeface="+mn-lt"/>
+            </a:endParaRPr>
           </a:p>
         </p:txBody>
       </p:sp>
@@ -18937,9 +19160,22 @@
           <a:lstStyle/>
           <a:p>
             <a:r>
-              <a:rPr lang="en-US" dirty="0"/>
-              <a:t>Enhanced System Logging</a:t>
-            </a:r>
+              <a:rPr lang="en-US" sz="4400" dirty="0"/>
+              <a:t>Enhanced </a:t>
+            </a:r>
+            <a:r>
+              <a:rPr lang="en-US" sz="4400" dirty="0" smtClean="0"/>
+              <a:t>system </a:t>
+            </a:r>
+            <a:r>
+              <a:rPr lang="en-US" sz="4400" dirty="0"/>
+              <a:t>l</a:t>
+            </a:r>
+            <a:r>
+              <a:rPr lang="en-US" sz="4400" dirty="0" smtClean="0"/>
+              <a:t>ogging</a:t>
+            </a:r>
+            <a:endParaRPr lang="en-US" sz="4400" dirty="0"/>
           </a:p>
         </p:txBody>
       </p:sp>
@@ -18971,7 +19207,7 @@
         </p:blipFill>
         <p:spPr>
           <a:xfrm>
-            <a:off x="9858038" y="3429000"/>
+            <a:off x="9402946" y="2280138"/>
             <a:ext cx="2142451" cy="2142451"/>
           </a:xfrm>
           <a:prstGeom prst="rect">
@@ -19818,6 +20054,15 @@
                 <a:cs typeface="Segoe UI" panose="020B0502040204020203" pitchFamily="34" charset="0"/>
               </a:rPr>
               <a:t>Customer quote</a:t>
+            </a:r>
+            <a:r>
+              <a:rPr lang="en-US" dirty="0">
+                <a:solidFill>
+                  <a:schemeClr val="tx1"/>
+                </a:solidFill>
+                <a:latin typeface="Segoe UI" panose="020B0502040204020203" pitchFamily="34" charset="0"/>
+              </a:rPr>
+              <a:t/>
             </a:r>
             <a:br>
               <a:rPr lang="en-US" dirty="0">
@@ -19987,53 +20232,22 @@
           <a:lstStyle/>
           <a:p>
             <a:r>
-              <a:rPr lang="en-US" sz="4400" dirty="0">
+              <a:rPr lang="en-US" sz="4400" dirty="0" smtClean="0">
                 <a:solidFill>
                   <a:schemeClr val="tx1"/>
                 </a:solidFill>
                 <a:latin typeface="Segoe UI Light" panose="020B0502040204020203" pitchFamily="34" charset="0"/>
                 <a:cs typeface="Segoe UI Light" panose="020B0502040204020203" pitchFamily="34" charset="0"/>
               </a:rPr>
-              <a:t>Tailspin Toys, Inc.</a:t>
-            </a:r>
-          </a:p>
-        </p:txBody>
-      </p:sp>
-      <p:sp>
-        <p:nvSpPr>
-          <p:cNvPr id="5" name="Rectangle 4">
-            <a:extLst>
-              <a:ext uri="{FF2B5EF4-FFF2-40B4-BE49-F238E27FC236}">
-                <a16:creationId xmlns:a16="http://schemas.microsoft.com/office/drawing/2014/main" id="{8BE50FA5-AAB4-4020-8DC8-D7F28414F756}"/>
-              </a:ext>
-            </a:extLst>
-          </p:cNvPr>
-          <p:cNvSpPr/>
-          <p:nvPr/>
-        </p:nvSpPr>
-        <p:spPr>
-          <a:xfrm>
-            <a:off x="397913" y="938598"/>
-            <a:ext cx="11326762" cy="369332"/>
-          </a:xfrm>
-          <a:prstGeom prst="rect">
-            <a:avLst/>
-          </a:prstGeom>
-        </p:spPr>
-        <p:txBody>
-          <a:bodyPr wrap="square">
-            <a:spAutoFit/>
-          </a:bodyPr>
-          <a:lstStyle/>
-          <a:p>
-            <a:r>
-              <a:rPr lang="en-US" i="1" dirty="0">
-                <a:latin typeface="Segoe UI Semilight" panose="020B0402040204020203" pitchFamily="34" charset="0"/>
-                <a:cs typeface="Segoe UI Semilight" panose="020B0402040204020203" pitchFamily="34" charset="0"/>
-              </a:rPr>
-              <a:t>Customer Background</a:t>
-            </a:r>
-            <a:endParaRPr lang="en-US" i="1" dirty="0"/>
+              <a:t>Customer situation</a:t>
+            </a:r>
+            <a:endParaRPr lang="en-US" sz="4400" dirty="0">
+              <a:solidFill>
+                <a:schemeClr val="tx1"/>
+              </a:solidFill>
+              <a:latin typeface="Segoe UI Light" panose="020B0502040204020203" pitchFamily="34" charset="0"/>
+              <a:cs typeface="Segoe UI Light" panose="020B0502040204020203" pitchFamily="34" charset="0"/>
+            </a:endParaRPr>
           </a:p>
         </p:txBody>
       </p:sp>
@@ -20051,7 +20265,7 @@
         </p:nvSpPr>
         <p:spPr>
           <a:xfrm>
-            <a:off x="340285" y="1741246"/>
+            <a:off x="340285" y="1307492"/>
             <a:ext cx="11584795" cy="4604337"/>
           </a:xfrm>
           <a:prstGeom prst="rect">
@@ -20142,53 +20356,22 @@
           <a:lstStyle/>
           <a:p>
             <a:r>
-              <a:rPr lang="en-US" sz="4400" dirty="0">
+              <a:rPr lang="en-US" sz="4400" dirty="0" smtClean="0">
                 <a:solidFill>
                   <a:schemeClr val="tx1"/>
                 </a:solidFill>
                 <a:latin typeface="Segoe UI Light" panose="020B0502040204020203" pitchFamily="34" charset="0"/>
                 <a:cs typeface="Segoe UI Light" panose="020B0502040204020203" pitchFamily="34" charset="0"/>
               </a:rPr>
-              <a:t>Tailspin Toys, Inc.</a:t>
-            </a:r>
-          </a:p>
-        </p:txBody>
-      </p:sp>
-      <p:sp>
-        <p:nvSpPr>
-          <p:cNvPr id="5" name="Rectangle 4">
-            <a:extLst>
-              <a:ext uri="{FF2B5EF4-FFF2-40B4-BE49-F238E27FC236}">
-                <a16:creationId xmlns:a16="http://schemas.microsoft.com/office/drawing/2014/main" id="{88B17F94-2F4C-4E08-993C-EB22961ADE41}"/>
-              </a:ext>
-            </a:extLst>
-          </p:cNvPr>
-          <p:cNvSpPr/>
-          <p:nvPr/>
-        </p:nvSpPr>
-        <p:spPr>
-          <a:xfrm>
-            <a:off x="397913" y="938598"/>
-            <a:ext cx="11326762" cy="369332"/>
-          </a:xfrm>
-          <a:prstGeom prst="rect">
-            <a:avLst/>
-          </a:prstGeom>
-        </p:spPr>
-        <p:txBody>
-          <a:bodyPr wrap="square">
-            <a:spAutoFit/>
-          </a:bodyPr>
-          <a:lstStyle/>
-          <a:p>
-            <a:r>
-              <a:rPr lang="en-US" i="1" dirty="0">
-                <a:latin typeface="Segoe UI Semilight" panose="020B0402040204020203" pitchFamily="34" charset="0"/>
-                <a:cs typeface="Segoe UI Semilight" panose="020B0402040204020203" pitchFamily="34" charset="0"/>
-              </a:rPr>
-              <a:t>Customer Background</a:t>
-            </a:r>
-            <a:endParaRPr lang="en-US" i="1" dirty="0"/>
+              <a:t>Customer situation</a:t>
+            </a:r>
+            <a:endParaRPr lang="en-US" sz="4400" dirty="0">
+              <a:solidFill>
+                <a:schemeClr val="tx1"/>
+              </a:solidFill>
+              <a:latin typeface="Segoe UI Light" panose="020B0502040204020203" pitchFamily="34" charset="0"/>
+              <a:cs typeface="Segoe UI Light" panose="020B0502040204020203" pitchFamily="34" charset="0"/>
+            </a:endParaRPr>
           </a:p>
         </p:txBody>
       </p:sp>
@@ -20223,6 +20406,10 @@
             <a:r>
               <a:rPr lang="en-US" sz="2800" i="1" dirty="0"/>
               <a:t>“Even though our products are better, our competitors are generating more online sales. For every feature we deliver, they have delivered 2 or 3. Our development processes are too cumbersome and slow for us to build quality code at that pace.”</a:t>
+            </a:r>
+            <a:r>
+              <a:rPr lang="en-US" sz="2800" dirty="0"/>
+              <a:t/>
             </a:r>
             <a:br>
               <a:rPr lang="en-US" sz="2800" dirty="0"/>
@@ -20300,46 +20487,25 @@
                 <a:latin typeface="Segoe UI Light" panose="020B0502040204020203" pitchFamily="34" charset="0"/>
                 <a:cs typeface="Segoe UI Light" panose="020B0502040204020203" pitchFamily="34" charset="0"/>
               </a:rPr>
-              <a:t>Tailspin Toys, Inc.</a:t>
-            </a:r>
-          </a:p>
-        </p:txBody>
-      </p:sp>
-      <p:sp>
-        <p:nvSpPr>
-          <p:cNvPr id="4" name="Rectangle 3">
-            <a:extLst>
-              <a:ext uri="{FF2B5EF4-FFF2-40B4-BE49-F238E27FC236}">
-                <a16:creationId xmlns:a16="http://schemas.microsoft.com/office/drawing/2014/main" id="{7E869542-C940-4527-B42C-830DAF634DE1}"/>
-              </a:ext>
-            </a:extLst>
-          </p:cNvPr>
-          <p:cNvSpPr/>
-          <p:nvPr/>
-        </p:nvSpPr>
-        <p:spPr>
-          <a:xfrm>
-            <a:off x="397913" y="938598"/>
-            <a:ext cx="11326762" cy="369332"/>
-          </a:xfrm>
-          <a:prstGeom prst="rect">
-            <a:avLst/>
-          </a:prstGeom>
-        </p:spPr>
-        <p:txBody>
-          <a:bodyPr wrap="square">
-            <a:spAutoFit/>
-          </a:bodyPr>
-          <a:lstStyle/>
-          <a:p>
-            <a:r>
-              <a:rPr lang="en-US" i="1" dirty="0">
-                <a:latin typeface="Segoe UI Semilight" panose="020B0402040204020203" pitchFamily="34" charset="0"/>
-                <a:cs typeface="Segoe UI Semilight" panose="020B0402040204020203" pitchFamily="34" charset="0"/>
+              <a:t>Customer </a:t>
+            </a:r>
+            <a:r>
+              <a:rPr lang="en-US" sz="4400" dirty="0" smtClean="0">
+                <a:solidFill>
+                  <a:schemeClr val="tx1"/>
+                </a:solidFill>
+                <a:latin typeface="Segoe UI Light" panose="020B0502040204020203" pitchFamily="34" charset="0"/>
+                <a:cs typeface="Segoe UI Light" panose="020B0502040204020203" pitchFamily="34" charset="0"/>
               </a:rPr>
-              <a:t>Customer Background</a:t>
-            </a:r>
-            <a:endParaRPr lang="en-US" i="1" dirty="0"/>
+              <a:t>situation</a:t>
+            </a:r>
+            <a:endParaRPr lang="en-US" sz="4400" dirty="0">
+              <a:solidFill>
+                <a:schemeClr val="tx1"/>
+              </a:solidFill>
+              <a:latin typeface="Segoe UI Light" panose="020B0502040204020203" pitchFamily="34" charset="0"/>
+              <a:cs typeface="Segoe UI Light" panose="020B0502040204020203" pitchFamily="34" charset="0"/>
+            </a:endParaRPr>
           </a:p>
         </p:txBody>
       </p:sp>
@@ -20376,8 +20542,20 @@
               <a:buChar char="•"/>
             </a:pPr>
             <a:r>
+              <a:rPr lang="en-US" sz="2800" dirty="0" smtClean="0"/>
+              <a:t>Todd Culp, </a:t>
+            </a:r>
+            <a:r>
               <a:rPr lang="en-US" sz="2800" dirty="0"/>
-              <a:t>Todd Culp, the enterprise architect at Tailspin Toys, has been tasked with changing the development processes for his team, so they can be more agile and adaptive in the marketplace.</a:t>
+              <a:t>the enterprise architect at Tailspin Toys, has been tasked with changing the development processes for his </a:t>
+            </a:r>
+            <a:r>
+              <a:rPr lang="en-US" sz="2800" dirty="0" smtClean="0"/>
+              <a:t>team so </a:t>
+            </a:r>
+            <a:r>
+              <a:rPr lang="en-US" sz="2800" dirty="0"/>
+              <a:t>they can be more agile and adaptive in the marketplace.</a:t>
             </a:r>
           </a:p>
           <a:p>
@@ -20394,7 +20572,39 @@
             </a:pPr>
             <a:r>
               <a:rPr lang="en-US" sz="2800" dirty="0"/>
-              <a:t>He is also been tasked with automating the entire process of testing, building, and deploying to the cloud for both of the developers, so they cannot deploy any builds that fail the test suite and for the QA team, and they can fully test new builds in a realistic cloud environment.</a:t>
+              <a:t>He </a:t>
+            </a:r>
+            <a:r>
+              <a:rPr lang="en-US" sz="2800" dirty="0" smtClean="0"/>
+              <a:t>is also tasked </a:t>
+            </a:r>
+            <a:r>
+              <a:rPr lang="en-US" sz="2800" dirty="0"/>
+              <a:t>with automating the entire process of testing, building, and deploying to the cloud for both of the </a:t>
+            </a:r>
+            <a:r>
+              <a:rPr lang="en-US" sz="2800" dirty="0" smtClean="0"/>
+              <a:t>developers, so </a:t>
+            </a:r>
+            <a:r>
+              <a:rPr lang="en-US" sz="2800" dirty="0"/>
+              <a:t>they cannot deploy any builds that fail the test suite </a:t>
+            </a:r>
+            <a:r>
+              <a:rPr lang="en-US" sz="2800" dirty="0" smtClean="0"/>
+              <a:t>and </a:t>
+            </a:r>
+            <a:r>
+              <a:rPr lang="en-US" sz="2800" dirty="0"/>
+              <a:t>the QA </a:t>
+            </a:r>
+            <a:r>
+              <a:rPr lang="en-US" sz="2800" dirty="0" smtClean="0"/>
+              <a:t>team. They </a:t>
+            </a:r>
+            <a:r>
+              <a:rPr lang="en-US" sz="2800" dirty="0"/>
+              <a:t>can fully test new builds in a realistic cloud environment.</a:t>
             </a:r>
           </a:p>
           <a:p>
@@ -20411,7 +20621,15 @@
             </a:pPr>
             <a:r>
               <a:rPr lang="en-US" sz="2800" dirty="0"/>
-              <a:t>The builds for the different environments should not affect each other, and there must be an easy way to promote a tested build to production.</a:t>
+              <a:t>The builds for the different environments should not affect each </a:t>
+            </a:r>
+            <a:r>
+              <a:rPr lang="en-US" sz="2800" dirty="0" smtClean="0"/>
+              <a:t>other; there </a:t>
+            </a:r>
+            <a:r>
+              <a:rPr lang="en-US" sz="2800" dirty="0"/>
+              <a:t>must be an easy way to promote a tested build to production.</a:t>
             </a:r>
           </a:p>
         </p:txBody>
@@ -20472,53 +20690,22 @@
           <a:lstStyle/>
           <a:p>
             <a:r>
-              <a:rPr lang="en-US" sz="4400" dirty="0">
+              <a:rPr lang="en-US" sz="4400" dirty="0" smtClean="0">
                 <a:solidFill>
                   <a:schemeClr val="tx1"/>
                 </a:solidFill>
                 <a:latin typeface="Segoe UI Light" panose="020B0502040204020203" pitchFamily="34" charset="0"/>
                 <a:cs typeface="Segoe UI Light" panose="020B0502040204020203" pitchFamily="34" charset="0"/>
               </a:rPr>
-              <a:t>Tailspin Toys, Inc.</a:t>
-            </a:r>
-          </a:p>
-        </p:txBody>
-      </p:sp>
-      <p:sp>
-        <p:nvSpPr>
-          <p:cNvPr id="4" name="Rectangle 3">
-            <a:extLst>
-              <a:ext uri="{FF2B5EF4-FFF2-40B4-BE49-F238E27FC236}">
-                <a16:creationId xmlns:a16="http://schemas.microsoft.com/office/drawing/2014/main" id="{CE8D1302-33F4-4FE9-8A08-A9EAFB206A6F}"/>
-              </a:ext>
-            </a:extLst>
-          </p:cNvPr>
-          <p:cNvSpPr/>
-          <p:nvPr/>
-        </p:nvSpPr>
-        <p:spPr>
-          <a:xfrm>
-            <a:off x="397913" y="938598"/>
-            <a:ext cx="11326762" cy="369332"/>
-          </a:xfrm>
-          <a:prstGeom prst="rect">
-            <a:avLst/>
-          </a:prstGeom>
-        </p:spPr>
-        <p:txBody>
-          <a:bodyPr wrap="square">
-            <a:spAutoFit/>
-          </a:bodyPr>
-          <a:lstStyle/>
-          <a:p>
-            <a:r>
-              <a:rPr lang="en-US" i="1" dirty="0">
-                <a:latin typeface="Segoe UI Semilight" panose="020B0402040204020203" pitchFamily="34" charset="0"/>
-                <a:cs typeface="Segoe UI Semilight" panose="020B0402040204020203" pitchFamily="34" charset="0"/>
-              </a:rPr>
-              <a:t>Customer Background</a:t>
-            </a:r>
-            <a:endParaRPr lang="en-US" i="1" dirty="0"/>
+              <a:t>Customer situation</a:t>
+            </a:r>
+            <a:endParaRPr lang="en-US" sz="4400" dirty="0">
+              <a:solidFill>
+                <a:schemeClr val="tx1"/>
+              </a:solidFill>
+              <a:latin typeface="Segoe UI Light" panose="020B0502040204020203" pitchFamily="34" charset="0"/>
+              <a:cs typeface="Segoe UI Light" panose="020B0502040204020203" pitchFamily="34" charset="0"/>
+            </a:endParaRPr>
           </a:p>
         </p:txBody>
       </p:sp>
@@ -20537,7 +20724,7 @@
         <p:spPr>
           <a:xfrm>
             <a:off x="340285" y="1284044"/>
-            <a:ext cx="11584795" cy="5035225"/>
+            <a:ext cx="11584795" cy="5466112"/>
           </a:xfrm>
           <a:prstGeom prst="rect">
             <a:avLst/>
@@ -20573,7 +20760,15 @@
             </a:pPr>
             <a:r>
               <a:rPr lang="en-US" sz="2800" dirty="0"/>
-              <a:t>He always makes the team sign off on the build before it goes live, but there have been some bugs that appeared in production that should have been caught by a software-based test before deployment.</a:t>
+              <a:t>He always makes the team sign off on the build before it goes live, but there have been some bugs that appeared in </a:t>
+            </a:r>
+            <a:r>
+              <a:rPr lang="en-US" sz="2800" dirty="0" smtClean="0"/>
+              <a:t>production, which should </a:t>
+            </a:r>
+            <a:r>
+              <a:rPr lang="en-US" sz="2800" dirty="0"/>
+              <a:t>have been caught by a software-based test before deployment.</a:t>
             </a:r>
           </a:p>
           <a:p>
@@ -20590,7 +20785,15 @@
             </a:pPr>
             <a:r>
               <a:rPr lang="en-US" sz="2800" dirty="0"/>
-              <a:t>He thinks the developers are not consistently running all required tests and needs an automated way to enforce this before builds are deployed into the cloud.</a:t>
+              <a:t>He thinks the developers are not consistently running all required </a:t>
+            </a:r>
+            <a:r>
+              <a:rPr lang="en-US" sz="2800" dirty="0" smtClean="0"/>
+              <a:t>tests, and he </a:t>
+            </a:r>
+            <a:r>
+              <a:rPr lang="en-US" sz="2800" dirty="0"/>
+              <a:t>needs an automated way to enforce this before builds are deployed into the cloud.</a:t>
             </a:r>
           </a:p>
         </p:txBody>
@@ -20651,53 +20854,22 @@
           <a:lstStyle/>
           <a:p>
             <a:r>
-              <a:rPr lang="en-US" sz="4400" dirty="0">
+              <a:rPr lang="en-US" sz="4400" dirty="0" smtClean="0">
                 <a:solidFill>
                   <a:schemeClr val="tx1"/>
                 </a:solidFill>
                 <a:latin typeface="Segoe UI Light" panose="020B0502040204020203" pitchFamily="34" charset="0"/>
                 <a:cs typeface="Segoe UI Light" panose="020B0502040204020203" pitchFamily="34" charset="0"/>
               </a:rPr>
-              <a:t>Tailspin Toys, Inc.</a:t>
-            </a:r>
-          </a:p>
-        </p:txBody>
-      </p:sp>
-      <p:sp>
-        <p:nvSpPr>
-          <p:cNvPr id="4" name="Rectangle 3">
-            <a:extLst>
-              <a:ext uri="{FF2B5EF4-FFF2-40B4-BE49-F238E27FC236}">
-                <a16:creationId xmlns:a16="http://schemas.microsoft.com/office/drawing/2014/main" id="{3A7548DE-2626-4742-8E90-8492BDAA72F9}"/>
-              </a:ext>
-            </a:extLst>
-          </p:cNvPr>
-          <p:cNvSpPr/>
-          <p:nvPr/>
-        </p:nvSpPr>
-        <p:spPr>
-          <a:xfrm>
-            <a:off x="397913" y="938598"/>
-            <a:ext cx="11326762" cy="369332"/>
-          </a:xfrm>
-          <a:prstGeom prst="rect">
-            <a:avLst/>
-          </a:prstGeom>
-        </p:spPr>
-        <p:txBody>
-          <a:bodyPr wrap="square">
-            <a:spAutoFit/>
-          </a:bodyPr>
-          <a:lstStyle/>
-          <a:p>
-            <a:r>
-              <a:rPr lang="en-US" i="1" dirty="0">
-                <a:latin typeface="Segoe UI Semilight" panose="020B0402040204020203" pitchFamily="34" charset="0"/>
-                <a:cs typeface="Segoe UI Semilight" panose="020B0402040204020203" pitchFamily="34" charset="0"/>
-              </a:rPr>
-              <a:t>Customer Background</a:t>
-            </a:r>
-            <a:endParaRPr lang="en-US" i="1" dirty="0"/>
+              <a:t>Customer situation</a:t>
+            </a:r>
+            <a:endParaRPr lang="en-US" sz="4400" dirty="0">
+              <a:solidFill>
+                <a:schemeClr val="tx1"/>
+              </a:solidFill>
+              <a:latin typeface="Segoe UI Light" panose="020B0502040204020203" pitchFamily="34" charset="0"/>
+              <a:cs typeface="Segoe UI Light" panose="020B0502040204020203" pitchFamily="34" charset="0"/>
+            </a:endParaRPr>
           </a:p>
         </p:txBody>
       </p:sp>
@@ -20816,53 +20988,32 @@
           <a:lstStyle/>
           <a:p>
             <a:r>
-              <a:rPr lang="en-US" sz="4400" dirty="0">
+              <a:rPr lang="en-US" sz="4400" dirty="0" smtClean="0">
                 <a:solidFill>
                   <a:schemeClr val="tx1"/>
                 </a:solidFill>
                 <a:latin typeface="Segoe UI Light" panose="020B0502040204020203" pitchFamily="34" charset="0"/>
                 <a:cs typeface="Segoe UI Light" panose="020B0502040204020203" pitchFamily="34" charset="0"/>
               </a:rPr>
-              <a:t>Tailspin Toys, Inc.</a:t>
-            </a:r>
-          </a:p>
-        </p:txBody>
-      </p:sp>
-      <p:sp>
-        <p:nvSpPr>
-          <p:cNvPr id="4" name="Rectangle 3">
-            <a:extLst>
-              <a:ext uri="{FF2B5EF4-FFF2-40B4-BE49-F238E27FC236}">
-                <a16:creationId xmlns:a16="http://schemas.microsoft.com/office/drawing/2014/main" id="{207615DC-0822-4BB9-997D-57170C988142}"/>
-              </a:ext>
-            </a:extLst>
-          </p:cNvPr>
-          <p:cNvSpPr/>
-          <p:nvPr/>
-        </p:nvSpPr>
-        <p:spPr>
-          <a:xfrm>
-            <a:off x="397913" y="938598"/>
-            <a:ext cx="11326762" cy="369332"/>
-          </a:xfrm>
-          <a:prstGeom prst="rect">
-            <a:avLst/>
-          </a:prstGeom>
-        </p:spPr>
-        <p:txBody>
-          <a:bodyPr wrap="square">
-            <a:spAutoFit/>
-          </a:bodyPr>
-          <a:lstStyle/>
-          <a:p>
-            <a:r>
-              <a:rPr lang="en-US" i="1" dirty="0">
-                <a:latin typeface="Segoe UI Semilight" panose="020B0402040204020203" pitchFamily="34" charset="0"/>
-                <a:cs typeface="Segoe UI Semilight" panose="020B0402040204020203" pitchFamily="34" charset="0"/>
+              <a:t>Customer </a:t>
+            </a:r>
+            <a:r>
+              <a:rPr lang="en-US" sz="4400" dirty="0" smtClean="0">
+                <a:solidFill>
+                  <a:schemeClr val="tx1"/>
+                </a:solidFill>
+                <a:latin typeface="Segoe UI Light" panose="020B0502040204020203" pitchFamily="34" charset="0"/>
+                <a:cs typeface="Segoe UI Light" panose="020B0502040204020203" pitchFamily="34" charset="0"/>
               </a:rPr>
-              <a:t>Customer Background</a:t>
-            </a:r>
-            <a:endParaRPr lang="en-US" i="1" dirty="0"/>
+              <a:t>situation</a:t>
+            </a:r>
+            <a:endParaRPr lang="en-US" sz="4400" dirty="0">
+              <a:solidFill>
+                <a:schemeClr val="tx1"/>
+              </a:solidFill>
+              <a:latin typeface="Segoe UI Light" panose="020B0502040204020203" pitchFamily="34" charset="0"/>
+              <a:cs typeface="Segoe UI Light" panose="020B0502040204020203" pitchFamily="34" charset="0"/>
+            </a:endParaRPr>
           </a:p>
         </p:txBody>
       </p:sp>
@@ -20881,7 +21032,7 @@
         <p:spPr>
           <a:xfrm>
             <a:off x="340285" y="1284044"/>
-            <a:ext cx="11584795" cy="3742563"/>
+            <a:ext cx="11584795" cy="4173450"/>
           </a:xfrm>
           <a:prstGeom prst="rect">
             <a:avLst/>
@@ -20899,8 +21050,38 @@
               <a:buChar char="•"/>
             </a:pPr>
             <a:r>
+              <a:rPr lang="en-US" sz="2800" dirty="0" smtClean="0"/>
+              <a:t>Todd </a:t>
+            </a:r>
+            <a:r>
               <a:rPr lang="en-US" sz="2800" dirty="0"/>
-              <a:t>Todd wants to improve the turnaround time for fixing these bugs, and he needs better logs for the developers. He needs a solution to gather new types of logs including browser errors and application dependency errors such as timeouts.</a:t>
+              <a:t>wants to improve the turnaround time for fixing these bugs, and he needs better logs for the developers. </a:t>
+            </a:r>
+            <a:endParaRPr lang="en-US" sz="2800" dirty="0" smtClean="0"/>
+          </a:p>
+          <a:p>
+            <a:endParaRPr lang="en-US" sz="2800" dirty="0" smtClean="0"/>
+          </a:p>
+          <a:p>
+            <a:pPr marL="457200" indent="-457200">
+              <a:buFont typeface="Arial" panose="020B0604020202020204" pitchFamily="34" charset="0"/>
+              <a:buChar char="•"/>
+            </a:pPr>
+            <a:r>
+              <a:rPr lang="en-US" sz="2800" dirty="0" smtClean="0"/>
+              <a:t>He </a:t>
+            </a:r>
+            <a:r>
+              <a:rPr lang="en-US" sz="2800" dirty="0"/>
+              <a:t>needs a solution to gather new types of </a:t>
+            </a:r>
+            <a:r>
+              <a:rPr lang="en-US" sz="2800" dirty="0" smtClean="0"/>
+              <a:t>logs, including </a:t>
+            </a:r>
+            <a:r>
+              <a:rPr lang="en-US" sz="2800" dirty="0"/>
+              <a:t>browser errors and application dependency errors such as timeouts.</a:t>
             </a:r>
           </a:p>
           <a:p>
